--- a/Chapter 3-Logical Events.pptx
+++ b/Chapter 3-Logical Events.pptx
@@ -3082,6 +3082,10 @@
           <a:bodyPr/>
           <a:lstStyle/>
           <a:p>
+            <a:r>
+              <a:rPr lang="en-US" dirty="0" smtClean="0"/>
+              <a:t>Knowledge Based Agent</a:t>
+            </a:r>
             <a:endParaRPr lang="en-IN" dirty="0"/>
           </a:p>
         </p:txBody>
@@ -4671,6 +4675,10 @@
           <a:bodyPr/>
           <a:lstStyle/>
           <a:p>
+            <a:r>
+              <a:rPr lang="en-US" dirty="0" smtClean="0"/>
+              <a:t>Knowledge based Agent Components and Operations</a:t>
+            </a:r>
             <a:endParaRPr lang="en-IN" dirty="0"/>
           </a:p>
         </p:txBody>
@@ -4692,27 +4700,164 @@
           <a:p>
             <a:r>
               <a:rPr lang="en-US" dirty="0"/>
-              <a:t>Knowledge-based agents are composed of two main parts:</a:t>
-            </a:r>
+              <a:t>Knowledge-based agents are composed </a:t>
+            </a:r>
+            <a:r>
+              <a:rPr lang="en-US" dirty="0" smtClean="0"/>
+              <a:t>:</a:t>
+            </a:r>
+            <a:endParaRPr lang="en-US" dirty="0"/>
           </a:p>
           <a:p>
             <a:pPr lvl="1"/>
             <a:r>
-              <a:rPr lang="en-US" b="1" dirty="0"/>
-              <a:t>Knowledge-base and</a:t>
-            </a:r>
+              <a:rPr lang="en-US" b="1" dirty="0">
+                <a:solidFill>
+                  <a:srgbClr val="FF0000"/>
+                </a:solidFill>
+              </a:rPr>
+              <a:t>Knowledge-base </a:t>
+            </a:r>
+            <a:r>
+              <a:rPr lang="en-US" b="1" dirty="0" smtClean="0">
+                <a:solidFill>
+                  <a:srgbClr val="FF0000"/>
+                </a:solidFill>
+              </a:rPr>
+              <a:t>–Set of Sentences-called </a:t>
+            </a:r>
+            <a:r>
+              <a:rPr lang="en-US" b="1" dirty="0" smtClean="0">
+                <a:solidFill>
+                  <a:srgbClr val="00B050"/>
+                </a:solidFill>
+              </a:rPr>
+              <a:t>Background Knowledge</a:t>
+            </a:r>
+            <a:endParaRPr lang="en-US" dirty="0">
+              <a:solidFill>
+                <a:srgbClr val="00B050"/>
+              </a:solidFill>
+            </a:endParaRPr>
+          </a:p>
+          <a:p>
+            <a:pPr lvl="1"/>
+            <a:r>
+              <a:rPr lang="en-US" dirty="0" smtClean="0">
+                <a:solidFill>
+                  <a:srgbClr val="FF0000"/>
+                </a:solidFill>
+              </a:rPr>
+              <a:t>Axiom</a:t>
+            </a:r>
+            <a:r>
+              <a:rPr lang="en-US" dirty="0" smtClean="0">
+                <a:solidFill>
+                  <a:srgbClr val="002060"/>
+                </a:solidFill>
+              </a:rPr>
+              <a:t>-When the sentence is taken as being given without being derived from other sentences</a:t>
+            </a:r>
+          </a:p>
+          <a:p>
+            <a:pPr lvl="1"/>
+            <a:r>
+              <a:rPr lang="en-US" b="1" dirty="0" smtClean="0">
+                <a:solidFill>
+                  <a:srgbClr val="FF0000"/>
+                </a:solidFill>
+              </a:rPr>
+              <a:t>Inference system</a:t>
+            </a:r>
+            <a:r>
+              <a:rPr lang="en-US" dirty="0" smtClean="0">
+                <a:solidFill>
+                  <a:srgbClr val="FF0000"/>
+                </a:solidFill>
+              </a:rPr>
+              <a:t>-Derives New Sentences from Old</a:t>
+            </a:r>
+          </a:p>
+          <a:p>
+            <a:pPr marL="457200" lvl="1" indent="0">
+              <a:buNone/>
+            </a:pPr>
+            <a:r>
+              <a:rPr lang="en-US" dirty="0" smtClean="0">
+                <a:solidFill>
+                  <a:srgbClr val="00B050"/>
+                </a:solidFill>
+              </a:rPr>
+              <a:t>Operations by Agent</a:t>
+            </a:r>
+            <a:endParaRPr lang="en-US" dirty="0" smtClean="0">
+              <a:solidFill>
+                <a:srgbClr val="00B050"/>
+              </a:solidFill>
+            </a:endParaRPr>
+          </a:p>
+          <a:p>
+            <a:pPr lvl="1"/>
+            <a:r>
+              <a:rPr lang="en-US" dirty="0" smtClean="0">
+                <a:solidFill>
+                  <a:srgbClr val="FF0000"/>
+                </a:solidFill>
+              </a:rPr>
+              <a:t>Tell</a:t>
+            </a:r>
+          </a:p>
+          <a:p>
+            <a:pPr lvl="1"/>
+            <a:r>
+              <a:rPr lang="en-US" dirty="0" smtClean="0">
+                <a:solidFill>
+                  <a:srgbClr val="FF0000"/>
+                </a:solidFill>
+              </a:rPr>
+              <a:t>Ask</a:t>
+            </a:r>
+          </a:p>
+          <a:p>
+            <a:pPr lvl="1"/>
+            <a:r>
+              <a:rPr lang="en-US" dirty="0" smtClean="0">
+                <a:solidFill>
+                  <a:srgbClr val="FF0000"/>
+                </a:solidFill>
+              </a:rPr>
+              <a:t>Perform</a:t>
+            </a:r>
+          </a:p>
+          <a:p>
+            <a:pPr lvl="1"/>
+            <a:endParaRPr lang="en-US" dirty="0">
+              <a:solidFill>
+                <a:srgbClr val="FF0000"/>
+              </a:solidFill>
+            </a:endParaRPr>
+          </a:p>
+          <a:p>
+            <a:pPr marL="457200" lvl="1" indent="0">
+              <a:buNone/>
+            </a:pPr>
+            <a:endParaRPr lang="en-US" dirty="0" smtClean="0">
+              <a:solidFill>
+                <a:srgbClr val="FF0000"/>
+              </a:solidFill>
+            </a:endParaRPr>
+          </a:p>
+          <a:p>
+            <a:pPr lvl="1"/>
+            <a:endParaRPr lang="en-US" dirty="0" smtClean="0">
+              <a:solidFill>
+                <a:srgbClr val="FF0000"/>
+              </a:solidFill>
+            </a:endParaRPr>
+          </a:p>
+          <a:p>
+            <a:pPr lvl="1"/>
             <a:endParaRPr lang="en-US" dirty="0"/>
-          </a:p>
-          <a:p>
-            <a:pPr lvl="1"/>
-            <a:r>
-              <a:rPr lang="en-US" b="1" dirty="0"/>
-              <a:t>Inference system</a:t>
-            </a:r>
-            <a:r>
-              <a:rPr lang="en-US" dirty="0"/>
-              <a:t>.</a:t>
-            </a:r>
           </a:p>
           <a:p>
             <a:endParaRPr lang="en-IN" dirty="0"/>
